--- a/lindelia peral/trabajo canva.pptx
+++ b/lindelia peral/trabajo canva.pptx
@@ -6,6 +6,9 @@
   </p:sldMasterIdLst>
   <p:sldIdLst>
     <p:sldId id="256" r:id="rId2"/>
+    <p:sldId id="257" r:id="rId3"/>
+    <p:sldId id="258" r:id="rId4"/>
+    <p:sldId id="259" r:id="rId5"/>
   </p:sldIdLst>
   <p:sldSz cx="12192000" cy="6858000"/>
   <p:notesSz cx="6858000" cy="9144000"/>
@@ -104,7 +107,238 @@
       </a:defRPr>
     </a:lvl9pPr>
   </p:defaultTextStyle>
+  <p:extLst>
+    <p:ext uri="{EFAFB233-063F-42B5-8137-9DF3F51BA10A}">
+      <p15:sldGuideLst xmlns:p15="http://schemas.microsoft.com/office/powerpoint/2012/main"/>
+    </p:ext>
+  </p:extLst>
 </p:presentation>
+</file>
+
+<file path=ppt/changesInfos/changesInfo1.xml><?xml version="1.0" encoding="utf-8"?>
+<pc:chgInfo xmlns:a="http://schemas.openxmlformats.org/drawingml/2006/main" xmlns:r="http://schemas.openxmlformats.org/officeDocument/2006/relationships" xmlns:ac="http://schemas.microsoft.com/office/drawing/2013/main/command" xmlns:pc="http://schemas.microsoft.com/office/powerpoint/2013/main/command">
+  <pc:docChgLst>
+    <pc:chgData name="Juan esteban Grajales" userId="f012dd73108df511" providerId="LiveId" clId="{A8C94934-4F50-B343-B3AE-B709836F28F6}"/>
+    <pc:docChg chg="custSel addSld modSld">
+      <pc:chgData name="Juan esteban Grajales" userId="f012dd73108df511" providerId="LiveId" clId="{A8C94934-4F50-B343-B3AE-B709836F28F6}" dt="2024-11-26T13:53:20.051" v="1560" actId="20577"/>
+      <pc:docMkLst>
+        <pc:docMk/>
+      </pc:docMkLst>
+      <pc:sldChg chg="addSp delSp modSp">
+        <pc:chgData name="Juan esteban Grajales" userId="f012dd73108df511" providerId="LiveId" clId="{A8C94934-4F50-B343-B3AE-B709836F28F6}" dt="2024-11-26T13:14:45.167" v="197" actId="21"/>
+        <pc:sldMkLst>
+          <pc:docMk/>
+          <pc:sldMk cId="464937975" sldId="256"/>
+        </pc:sldMkLst>
+        <pc:spChg chg="add mod">
+          <ac:chgData name="Juan esteban Grajales" userId="f012dd73108df511" providerId="LiveId" clId="{A8C94934-4F50-B343-B3AE-B709836F28F6}" dt="2024-11-26T13:07:46.072" v="18" actId="1076"/>
+          <ac:spMkLst>
+            <pc:docMk/>
+            <pc:sldMk cId="464937975" sldId="256"/>
+            <ac:spMk id="2" creationId="{F444995E-CC66-5C73-B7FD-A5F8FAC5C575}"/>
+          </ac:spMkLst>
+        </pc:spChg>
+        <pc:spChg chg="add mod">
+          <ac:chgData name="Juan esteban Grajales" userId="f012dd73108df511" providerId="LiveId" clId="{A8C94934-4F50-B343-B3AE-B709836F28F6}" dt="2024-11-26T13:08:52.793" v="44" actId="1076"/>
+          <ac:spMkLst>
+            <pc:docMk/>
+            <pc:sldMk cId="464937975" sldId="256"/>
+            <ac:spMk id="3" creationId="{2324F1F3-FB01-D596-7E0A-3391C59BE138}"/>
+          </ac:spMkLst>
+        </pc:spChg>
+        <pc:spChg chg="add del mod">
+          <ac:chgData name="Juan esteban Grajales" userId="f012dd73108df511" providerId="LiveId" clId="{A8C94934-4F50-B343-B3AE-B709836F28F6}" dt="2024-11-26T13:14:45.167" v="197" actId="21"/>
+          <ac:spMkLst>
+            <pc:docMk/>
+            <pc:sldMk cId="464937975" sldId="256"/>
+            <ac:spMk id="4" creationId="{310FCCC5-BC48-DF9E-7886-5BE396A88199}"/>
+          </ac:spMkLst>
+        </pc:spChg>
+        <pc:spChg chg="mod">
+          <ac:chgData name="Juan esteban Grajales" userId="f012dd73108df511" providerId="LiveId" clId="{A8C94934-4F50-B343-B3AE-B709836F28F6}" dt="2024-11-26T13:10:35.093" v="45" actId="21"/>
+          <ac:spMkLst>
+            <pc:docMk/>
+            <pc:sldMk cId="464937975" sldId="256"/>
+            <ac:spMk id="15" creationId="{FF2CE3F0-8B5D-F7F9-851A-5B6D6591320B}"/>
+          </ac:spMkLst>
+        </pc:spChg>
+        <pc:spChg chg="mod">
+          <ac:chgData name="Juan esteban Grajales" userId="f012dd73108df511" providerId="LiveId" clId="{A8C94934-4F50-B343-B3AE-B709836F28F6}" dt="2024-11-26T13:05:50.937" v="1" actId="2085"/>
+          <ac:spMkLst>
+            <pc:docMk/>
+            <pc:sldMk cId="464937975" sldId="256"/>
+            <ac:spMk id="16" creationId="{CACCC93C-5615-7AF3-0B03-548EF7520F21}"/>
+          </ac:spMkLst>
+        </pc:spChg>
+      </pc:sldChg>
+      <pc:sldChg chg="addSp delSp modSp new">
+        <pc:chgData name="Juan esteban Grajales" userId="f012dd73108df511" providerId="LiveId" clId="{A8C94934-4F50-B343-B3AE-B709836F28F6}" dt="2024-11-26T13:34:46.974" v="1024" actId="20577"/>
+        <pc:sldMkLst>
+          <pc:docMk/>
+          <pc:sldMk cId="2694755972" sldId="257"/>
+        </pc:sldMkLst>
+        <pc:spChg chg="del">
+          <ac:chgData name="Juan esteban Grajales" userId="f012dd73108df511" providerId="LiveId" clId="{A8C94934-4F50-B343-B3AE-B709836F28F6}" dt="2024-11-26T13:14:39.498" v="196" actId="478"/>
+          <ac:spMkLst>
+            <pc:docMk/>
+            <pc:sldMk cId="2694755972" sldId="257"/>
+            <ac:spMk id="2" creationId="{BE7D61D0-FCEB-968B-4E3A-8C0224DAD683}"/>
+          </ac:spMkLst>
+        </pc:spChg>
+        <pc:spChg chg="del">
+          <ac:chgData name="Juan esteban Grajales" userId="f012dd73108df511" providerId="LiveId" clId="{A8C94934-4F50-B343-B3AE-B709836F28F6}" dt="2024-11-26T13:14:37.672" v="195" actId="478"/>
+          <ac:spMkLst>
+            <pc:docMk/>
+            <pc:sldMk cId="2694755972" sldId="257"/>
+            <ac:spMk id="3" creationId="{D906EEC5-C0CD-FFC2-C52B-E65D87F2C8FD}"/>
+          </ac:spMkLst>
+        </pc:spChg>
+        <pc:spChg chg="add mod">
+          <ac:chgData name="Juan esteban Grajales" userId="f012dd73108df511" providerId="LiveId" clId="{A8C94934-4F50-B343-B3AE-B709836F28F6}" dt="2024-11-26T13:15:13.288" v="202" actId="14100"/>
+          <ac:spMkLst>
+            <pc:docMk/>
+            <pc:sldMk cId="2694755972" sldId="257"/>
+            <ac:spMk id="5" creationId="{9EBAE1AE-6B95-E213-7357-A5C54D6422CD}"/>
+          </ac:spMkLst>
+        </pc:spChg>
+        <pc:spChg chg="add">
+          <ac:chgData name="Juan esteban Grajales" userId="f012dd73108df511" providerId="LiveId" clId="{A8C94934-4F50-B343-B3AE-B709836F28F6}" dt="2024-11-26T13:17:04.848" v="203" actId="139"/>
+          <ac:spMkLst>
+            <pc:docMk/>
+            <pc:sldMk cId="2694755972" sldId="257"/>
+            <ac:spMk id="6" creationId="{88956AD2-CA43-C6FF-550A-949D899C6F50}"/>
+          </ac:spMkLst>
+        </pc:spChg>
+        <pc:spChg chg="add">
+          <ac:chgData name="Juan esteban Grajales" userId="f012dd73108df511" providerId="LiveId" clId="{A8C94934-4F50-B343-B3AE-B709836F28F6}" dt="2024-11-26T13:17:11.841" v="204" actId="139"/>
+          <ac:spMkLst>
+            <pc:docMk/>
+            <pc:sldMk cId="2694755972" sldId="257"/>
+            <ac:spMk id="7" creationId="{664EC9DF-F12D-98FD-6231-48E09E8E9D90}"/>
+          </ac:spMkLst>
+        </pc:spChg>
+        <pc:spChg chg="add mod">
+          <ac:chgData name="Juan esteban Grajales" userId="f012dd73108df511" providerId="LiveId" clId="{A8C94934-4F50-B343-B3AE-B709836F28F6}" dt="2024-11-26T13:24:27.063" v="523" actId="20577"/>
+          <ac:spMkLst>
+            <pc:docMk/>
+            <pc:sldMk cId="2694755972" sldId="257"/>
+            <ac:spMk id="8" creationId="{FB5A1754-0361-332F-660F-FBC95B3EE50B}"/>
+          </ac:spMkLst>
+        </pc:spChg>
+        <pc:spChg chg="add mod">
+          <ac:chgData name="Juan esteban Grajales" userId="f012dd73108df511" providerId="LiveId" clId="{A8C94934-4F50-B343-B3AE-B709836F28F6}" dt="2024-11-26T13:31:55.786" v="831" actId="25668"/>
+          <ac:spMkLst>
+            <pc:docMk/>
+            <pc:sldMk cId="2694755972" sldId="257"/>
+            <ac:spMk id="9" creationId="{DD4EA25A-143F-A609-E95C-551901FDAC85}"/>
+          </ac:spMkLst>
+        </pc:spChg>
+        <pc:spChg chg="add mod">
+          <ac:chgData name="Juan esteban Grajales" userId="f012dd73108df511" providerId="LiveId" clId="{A8C94934-4F50-B343-B3AE-B709836F28F6}" dt="2024-11-26T13:34:46.974" v="1024" actId="20577"/>
+          <ac:spMkLst>
+            <pc:docMk/>
+            <pc:sldMk cId="2694755972" sldId="257"/>
+            <ac:spMk id="10" creationId="{BD826120-AE73-6CDB-379F-8C30E5822AC4}"/>
+          </ac:spMkLst>
+        </pc:spChg>
+      </pc:sldChg>
+      <pc:sldChg chg="addSp delSp modSp new">
+        <pc:chgData name="Juan esteban Grajales" userId="f012dd73108df511" providerId="LiveId" clId="{A8C94934-4F50-B343-B3AE-B709836F28F6}" dt="2024-11-26T13:50:19.053" v="1448" actId="1076"/>
+        <pc:sldMkLst>
+          <pc:docMk/>
+          <pc:sldMk cId="2449698069" sldId="258"/>
+        </pc:sldMkLst>
+        <pc:spChg chg="del">
+          <ac:chgData name="Juan esteban Grajales" userId="f012dd73108df511" providerId="LiveId" clId="{A8C94934-4F50-B343-B3AE-B709836F28F6}" dt="2024-11-26T13:35:16.013" v="1027" actId="478"/>
+          <ac:spMkLst>
+            <pc:docMk/>
+            <pc:sldMk cId="2449698069" sldId="258"/>
+            <ac:spMk id="2" creationId="{A0B2FA55-2E8D-6B16-60CB-BCBDA99CE33F}"/>
+          </ac:spMkLst>
+        </pc:spChg>
+        <pc:spChg chg="add mod">
+          <ac:chgData name="Juan esteban Grajales" userId="f012dd73108df511" providerId="LiveId" clId="{A8C94934-4F50-B343-B3AE-B709836F28F6}" dt="2024-11-26T13:45:56.895" v="1311" actId="20577"/>
+          <ac:spMkLst>
+            <pc:docMk/>
+            <pc:sldMk cId="2449698069" sldId="258"/>
+            <ac:spMk id="2" creationId="{AAC09489-7742-4F21-F0AF-10C1E6A19A62}"/>
+          </ac:spMkLst>
+        </pc:spChg>
+        <pc:spChg chg="del">
+          <ac:chgData name="Juan esteban Grajales" userId="f012dd73108df511" providerId="LiveId" clId="{A8C94934-4F50-B343-B3AE-B709836F28F6}" dt="2024-11-26T13:35:14.073" v="1026" actId="478"/>
+          <ac:spMkLst>
+            <pc:docMk/>
+            <pc:sldMk cId="2449698069" sldId="258"/>
+            <ac:spMk id="3" creationId="{98CD6814-DB96-DFE4-8275-23F511046D68}"/>
+          </ac:spMkLst>
+        </pc:spChg>
+        <pc:spChg chg="add mod">
+          <ac:chgData name="Juan esteban Grajales" userId="f012dd73108df511" providerId="LiveId" clId="{A8C94934-4F50-B343-B3AE-B709836F28F6}" dt="2024-11-26T13:49:53.624" v="1442" actId="20577"/>
+          <ac:spMkLst>
+            <pc:docMk/>
+            <pc:sldMk cId="2449698069" sldId="258"/>
+            <ac:spMk id="3" creationId="{BEA05D8B-817F-A338-1024-785544ECA0F5}"/>
+          </ac:spMkLst>
+        </pc:spChg>
+        <pc:spChg chg="add mod">
+          <ac:chgData name="Juan esteban Grajales" userId="f012dd73108df511" providerId="LiveId" clId="{A8C94934-4F50-B343-B3AE-B709836F28F6}" dt="2024-11-26T13:38:01.861" v="1111" actId="20577"/>
+          <ac:spMkLst>
+            <pc:docMk/>
+            <pc:sldMk cId="2449698069" sldId="258"/>
+            <ac:spMk id="4" creationId="{00ACD2B2-990B-2254-6D57-60860B2B8141}"/>
+          </ac:spMkLst>
+        </pc:spChg>
+        <pc:spChg chg="add mod">
+          <ac:chgData name="Juan esteban Grajales" userId="f012dd73108df511" providerId="LiveId" clId="{A8C94934-4F50-B343-B3AE-B709836F28F6}" dt="2024-11-26T13:50:19.053" v="1448" actId="1076"/>
+          <ac:spMkLst>
+            <pc:docMk/>
+            <pc:sldMk cId="2449698069" sldId="258"/>
+            <ac:spMk id="5" creationId="{B19B4048-F4F8-9484-6417-FA91CFA3FBAA}"/>
+          </ac:spMkLst>
+        </pc:spChg>
+      </pc:sldChg>
+      <pc:sldChg chg="addSp delSp modSp new">
+        <pc:chgData name="Juan esteban Grajales" userId="f012dd73108df511" providerId="LiveId" clId="{A8C94934-4F50-B343-B3AE-B709836F28F6}" dt="2024-11-26T13:53:20.051" v="1560" actId="20577"/>
+        <pc:sldMkLst>
+          <pc:docMk/>
+          <pc:sldMk cId="1597910876" sldId="259"/>
+        </pc:sldMkLst>
+        <pc:spChg chg="del">
+          <ac:chgData name="Juan esteban Grajales" userId="f012dd73108df511" providerId="LiveId" clId="{A8C94934-4F50-B343-B3AE-B709836F28F6}" dt="2024-11-26T13:50:02.309" v="1444" actId="478"/>
+          <ac:spMkLst>
+            <pc:docMk/>
+            <pc:sldMk cId="1597910876" sldId="259"/>
+            <ac:spMk id="2" creationId="{308AFBF1-4DE2-FD68-FE1A-1FB134D82B5E}"/>
+          </ac:spMkLst>
+        </pc:spChg>
+        <pc:spChg chg="del">
+          <ac:chgData name="Juan esteban Grajales" userId="f012dd73108df511" providerId="LiveId" clId="{A8C94934-4F50-B343-B3AE-B709836F28F6}" dt="2024-11-26T13:50:04.067" v="1445" actId="478"/>
+          <ac:spMkLst>
+            <pc:docMk/>
+            <pc:sldMk cId="1597910876" sldId="259"/>
+            <ac:spMk id="3" creationId="{2AD44C41-BE73-FA2C-7A30-A5B60F75CEEA}"/>
+          </ac:spMkLst>
+        </pc:spChg>
+        <pc:spChg chg="add mod">
+          <ac:chgData name="Juan esteban Grajales" userId="f012dd73108df511" providerId="LiveId" clId="{A8C94934-4F50-B343-B3AE-B709836F28F6}" dt="2024-11-26T13:50:24.355" v="1449" actId="14100"/>
+          <ac:spMkLst>
+            <pc:docMk/>
+            <pc:sldMk cId="1597910876" sldId="259"/>
+            <ac:spMk id="4" creationId="{CBE1DBD9-2A7B-8C28-C17C-EC45F6A85AB6}"/>
+          </ac:spMkLst>
+        </pc:spChg>
+        <pc:spChg chg="add mod">
+          <ac:chgData name="Juan esteban Grajales" userId="f012dd73108df511" providerId="LiveId" clId="{A8C94934-4F50-B343-B3AE-B709836F28F6}" dt="2024-11-26T13:53:20.051" v="1560" actId="20577"/>
+          <ac:spMkLst>
+            <pc:docMk/>
+            <pc:sldMk cId="1597910876" sldId="259"/>
+            <ac:spMk id="5" creationId="{004F28D4-1B22-C820-FE9B-9E7A22E2DCC6}"/>
+          </ac:spMkLst>
+        </pc:spChg>
+      </pc:sldChg>
+    </pc:docChg>
+  </pc:docChgLst>
+</pc:chgInfo>
 </file>
 
 <file path=ppt/slideLayouts/slideLayout1.xml><?xml version="1.0" encoding="utf-8"?>
@@ -256,7 +490,7 @@
           <a:p>
             <a:fld id="{8E18E8A0-2746-4C7A-90EE-885D51BA48D5}" type="datetimeFigureOut">
               <a:rPr lang="es-CO" smtClean="0"/>
-              <a:t>19/11/2024</a:t>
+              <a:t>26/11/2024</a:t>
             </a:fld>
             <a:endParaRPr lang="es-CO"/>
           </a:p>
@@ -456,7 +690,7 @@
           <a:p>
             <a:fld id="{8E18E8A0-2746-4C7A-90EE-885D51BA48D5}" type="datetimeFigureOut">
               <a:rPr lang="es-CO" smtClean="0"/>
-              <a:t>19/11/2024</a:t>
+              <a:t>26/11/2024</a:t>
             </a:fld>
             <a:endParaRPr lang="es-CO"/>
           </a:p>
@@ -666,7 +900,7 @@
           <a:p>
             <a:fld id="{8E18E8A0-2746-4C7A-90EE-885D51BA48D5}" type="datetimeFigureOut">
               <a:rPr lang="es-CO" smtClean="0"/>
-              <a:t>19/11/2024</a:t>
+              <a:t>26/11/2024</a:t>
             </a:fld>
             <a:endParaRPr lang="es-CO"/>
           </a:p>
@@ -866,7 +1100,7 @@
           <a:p>
             <a:fld id="{8E18E8A0-2746-4C7A-90EE-885D51BA48D5}" type="datetimeFigureOut">
               <a:rPr lang="es-CO" smtClean="0"/>
-              <a:t>19/11/2024</a:t>
+              <a:t>26/11/2024</a:t>
             </a:fld>
             <a:endParaRPr lang="es-CO"/>
           </a:p>
@@ -1142,7 +1376,7 @@
           <a:p>
             <a:fld id="{8E18E8A0-2746-4C7A-90EE-885D51BA48D5}" type="datetimeFigureOut">
               <a:rPr lang="es-CO" smtClean="0"/>
-              <a:t>19/11/2024</a:t>
+              <a:t>26/11/2024</a:t>
             </a:fld>
             <a:endParaRPr lang="es-CO"/>
           </a:p>
@@ -1410,7 +1644,7 @@
           <a:p>
             <a:fld id="{8E18E8A0-2746-4C7A-90EE-885D51BA48D5}" type="datetimeFigureOut">
               <a:rPr lang="es-CO" smtClean="0"/>
-              <a:t>19/11/2024</a:t>
+              <a:t>26/11/2024</a:t>
             </a:fld>
             <a:endParaRPr lang="es-CO"/>
           </a:p>
@@ -1825,7 +2059,7 @@
           <a:p>
             <a:fld id="{8E18E8A0-2746-4C7A-90EE-885D51BA48D5}" type="datetimeFigureOut">
               <a:rPr lang="es-CO" smtClean="0"/>
-              <a:t>19/11/2024</a:t>
+              <a:t>26/11/2024</a:t>
             </a:fld>
             <a:endParaRPr lang="es-CO"/>
           </a:p>
@@ -1967,7 +2201,7 @@
           <a:p>
             <a:fld id="{8E18E8A0-2746-4C7A-90EE-885D51BA48D5}" type="datetimeFigureOut">
               <a:rPr lang="es-CO" smtClean="0"/>
-              <a:t>19/11/2024</a:t>
+              <a:t>26/11/2024</a:t>
             </a:fld>
             <a:endParaRPr lang="es-CO"/>
           </a:p>
@@ -2080,7 +2314,7 @@
           <a:p>
             <a:fld id="{8E18E8A0-2746-4C7A-90EE-885D51BA48D5}" type="datetimeFigureOut">
               <a:rPr lang="es-CO" smtClean="0"/>
-              <a:t>19/11/2024</a:t>
+              <a:t>26/11/2024</a:t>
             </a:fld>
             <a:endParaRPr lang="es-CO"/>
           </a:p>
@@ -2393,7 +2627,7 @@
           <a:p>
             <a:fld id="{8E18E8A0-2746-4C7A-90EE-885D51BA48D5}" type="datetimeFigureOut">
               <a:rPr lang="es-CO" smtClean="0"/>
-              <a:t>19/11/2024</a:t>
+              <a:t>26/11/2024</a:t>
             </a:fld>
             <a:endParaRPr lang="es-CO"/>
           </a:p>
@@ -2682,7 +2916,7 @@
           <a:p>
             <a:fld id="{8E18E8A0-2746-4C7A-90EE-885D51BA48D5}" type="datetimeFigureOut">
               <a:rPr lang="es-CO" smtClean="0"/>
-              <a:t>19/11/2024</a:t>
+              <a:t>26/11/2024</a:t>
             </a:fld>
             <a:endParaRPr lang="es-CO"/>
           </a:p>
@@ -2925,7 +3159,7 @@
           <a:p>
             <a:fld id="{8E18E8A0-2746-4C7A-90EE-885D51BA48D5}" type="datetimeFigureOut">
               <a:rPr lang="es-CO" smtClean="0"/>
-              <a:t>19/11/2024</a:t>
+              <a:t>26/11/2024</a:t>
             </a:fld>
             <a:endParaRPr lang="es-CO"/>
           </a:p>
@@ -3569,7 +3803,7 @@
         <p:spPr>
           <a:xfrm>
             <a:off x="823866" y="334979"/>
-            <a:ext cx="1593410" cy="3340728"/>
+            <a:ext cx="1593410" cy="3720972"/>
           </a:xfrm>
           <a:prstGeom prst="rect">
             <a:avLst/>
@@ -3603,14 +3837,46 @@
           <a:p>
             <a:pPr algn="ctr"/>
             <a:r>
-              <a:rPr lang="es-CO" dirty="0"/>
+              <a:rPr lang="es-CO" sz="1000" dirty="0"/>
               <a:t>Aliados clave</a:t>
+            </a:r>
+          </a:p>
+          <a:p>
+            <a:pPr algn="l"/>
+            <a:r>
+              <a:rPr lang="es-ES" sz="1000" dirty="0"/>
+              <a:t>-Nuestra empresa no necesitará unirse con alguna empresa que se enfoque en el análisis del marketing y si no es posible crear una que se enfoque en eso </a:t>
+            </a:r>
+          </a:p>
+          <a:p>
+            <a:pPr algn="l"/>
+            <a:r>
+              <a:rPr lang="es-ES" sz="1000" dirty="0"/>
+              <a:t>-También necesitaremos asociarnos con una compañía de internet adecuada </a:t>
+            </a:r>
+          </a:p>
+          <a:p>
+            <a:pPr algn="l"/>
+            <a:r>
+              <a:rPr lang="es-ES" sz="1000" dirty="0"/>
+              <a:t>-También una que nos proporcione servidores adecuados </a:t>
+            </a:r>
+          </a:p>
+          <a:p>
+            <a:pPr algn="l"/>
+            <a:r>
+              <a:rPr lang="es-ES" sz="1000" dirty="0"/>
+              <a:t>-También podríamos asociarnos con emprendedores más pequeños como influencers youtubers y demás </a:t>
             </a:r>
           </a:p>
           <a:p>
             <a:pPr algn="ctr"/>
             <a:endParaRPr lang="es-CO" dirty="0"/>
           </a:p>
+          <a:p>
+            <a:pPr algn="ctr"/>
+            <a:endParaRPr lang="es-CO" dirty="0"/>
+          </a:p>
         </p:txBody>
       </p:sp>
       <p:sp>
@@ -3627,7 +3893,7 @@
         </p:nvSpPr>
         <p:spPr>
           <a:xfrm>
-            <a:off x="2969537" y="244444"/>
+            <a:off x="2969537" y="316872"/>
             <a:ext cx="1711105" cy="1593409"/>
           </a:xfrm>
           <a:prstGeom prst="rect">
@@ -3662,9 +3928,33 @@
           <a:p>
             <a:pPr algn="ctr"/>
             <a:r>
-              <a:rPr lang="es-CO" dirty="0"/>
+              <a:rPr lang="es-CO" sz="1000" dirty="0"/>
               <a:t>Actividades clave</a:t>
             </a:r>
+          </a:p>
+          <a:p>
+            <a:pPr marL="171450" indent="-171450" algn="just">
+              <a:buFont typeface="Arial" panose="020B0604020202020204" pitchFamily="34" charset="0"/>
+              <a:buChar char="•"/>
+            </a:pPr>
+            <a:r>
+              <a:rPr lang="es-ES" sz="1000" dirty="0"/>
+              <a:t> es el análisis del marketing actual o qué zonas requieren más el sistema. </a:t>
+            </a:r>
+          </a:p>
+          <a:p>
+            <a:pPr marL="171450" indent="-171450" algn="just">
+              <a:buFont typeface="Arial" panose="020B0604020202020204" pitchFamily="34" charset="0"/>
+              <a:buChar char="•"/>
+            </a:pPr>
+            <a:r>
+              <a:rPr lang="es-ES" sz="1000" dirty="0"/>
+              <a:t>es el mantenimiento y verificación de posibles errores o Bugs que no se hayan resuelto</a:t>
+            </a:r>
+          </a:p>
+          <a:p>
+            <a:pPr algn="ctr"/>
+            <a:endParaRPr lang="es-CO" sz="1000" dirty="0"/>
           </a:p>
         </p:txBody>
       </p:sp>
@@ -3715,11 +4005,43 @@
           <a:bodyPr rtlCol="0" anchor="ctr"/>
           <a:lstStyle/>
           <a:p>
+            <a:pPr algn="l"/>
+            <a:r>
+              <a:rPr lang="es-ES" sz="1100" dirty="0"/>
+              <a:t>Propuesta de valor</a:t>
+            </a:r>
+          </a:p>
+          <a:p>
+            <a:pPr algn="l"/>
+            <a:r>
+              <a:rPr lang="es-ES" sz="1100" dirty="0"/>
+              <a:t>- Ofrecemos información delos estacionamientos cercanos a tu ubicación ,</a:t>
+            </a:r>
+          </a:p>
+          <a:p>
+            <a:pPr algn="l"/>
+            <a:r>
+              <a:rPr lang="es-ES" sz="1100" dirty="0"/>
+              <a:t>Reservas de espacios,</a:t>
+            </a:r>
+          </a:p>
+          <a:p>
+            <a:pPr algn="l"/>
+            <a:r>
+              <a:rPr lang="es-ES" sz="1100" dirty="0"/>
+              <a:t>Ayuda ala gestoría de los parqueaderos para los propietarios </a:t>
+            </a:r>
+          </a:p>
+          <a:p>
+            <a:pPr algn="l"/>
+            <a:r>
+              <a:rPr lang="es-ES" sz="1100" dirty="0"/>
+              <a:t>-  Ofrecemos un sistema de reservas que se encarga de conectar a los usuarios y al dueño del parqueadero, como también de Ofrecer alternativas de estacionamiento </a:t>
+            </a:r>
+          </a:p>
+          <a:p>
             <a:pPr algn="ctr"/>
-            <a:r>
-              <a:rPr lang="es-CO" dirty="0"/>
-              <a:t>Propuesta de valor</a:t>
-            </a:r>
+            <a:endParaRPr lang="es-CO" dirty="0"/>
           </a:p>
         </p:txBody>
       </p:sp>
@@ -3737,8 +4059,8 @@
         </p:nvSpPr>
         <p:spPr>
           <a:xfrm>
-            <a:off x="3028384" y="2374271"/>
-            <a:ext cx="1593410" cy="1729211"/>
+            <a:off x="3028384" y="2308635"/>
+            <a:ext cx="1593410" cy="1794848"/>
           </a:xfrm>
           <a:prstGeom prst="rect">
             <a:avLst/>
@@ -3772,9 +4094,20 @@
           <a:p>
             <a:pPr algn="ctr"/>
             <a:r>
-              <a:rPr lang="es-CO" dirty="0"/>
+              <a:rPr lang="es-CO" sz="1000" dirty="0"/>
               <a:t>Recursos clave</a:t>
             </a:r>
+          </a:p>
+          <a:p>
+            <a:pPr algn="ctr"/>
+            <a:r>
+              <a:rPr lang="es-ES" sz="1000" dirty="0"/>
+              <a:t>- Necesitamos de un buen internet uno o varios servidores dependiendo del caso programadores que sean capaces de analizar reparar y parchar el sistema si es necesario analistas del mercado</a:t>
+            </a:r>
+          </a:p>
+          <a:p>
+            <a:pPr algn="ctr"/>
+            <a:endParaRPr lang="es-CO" sz="1000" dirty="0"/>
           </a:p>
         </p:txBody>
       </p:sp>
@@ -3792,8 +4125,8 @@
         </p:nvSpPr>
         <p:spPr>
           <a:xfrm>
-            <a:off x="7549066" y="2335794"/>
-            <a:ext cx="1656784" cy="1720158"/>
+            <a:off x="7429847" y="2568921"/>
+            <a:ext cx="1776003" cy="1487031"/>
           </a:xfrm>
           <a:prstGeom prst="rect">
             <a:avLst/>
@@ -3825,11 +4158,36 @@
           <a:bodyPr rtlCol="0" anchor="ctr"/>
           <a:lstStyle/>
           <a:p>
+            <a:pPr algn="l"/>
+            <a:r>
+              <a:rPr lang="es-ES" sz="1000" dirty="0"/>
+              <a:t>Canales </a:t>
+            </a:r>
+          </a:p>
+          <a:p>
+            <a:pPr algn="l"/>
+            <a:r>
+              <a:rPr lang="es-ES" sz="1000" dirty="0"/>
+              <a:t>Los clientes comunicaran con nosotros por medio dela página web o por el envío de correos </a:t>
+            </a:r>
+          </a:p>
+          <a:p>
+            <a:pPr algn="l"/>
+            <a:r>
+              <a:rPr lang="es-ES" sz="1000" dirty="0"/>
+              <a:t>Nos comunicaremos por medio de nuestras redes sociales oficiales de la empresa </a:t>
+            </a:r>
+          </a:p>
+          <a:p>
+            <a:pPr algn="l"/>
+            <a:r>
+              <a:rPr lang="es-ES" sz="1000" dirty="0"/>
+              <a:t>Y nos daremos a conocer por medio de las redes sociales, por el boca a boca y otros medios</a:t>
+            </a:r>
+          </a:p>
+          <a:p>
             <a:pPr algn="ctr"/>
-            <a:r>
-              <a:rPr lang="es-CO" dirty="0"/>
-              <a:t>canales</a:t>
-            </a:r>
+            <a:endParaRPr lang="es-CO" dirty="0"/>
           </a:p>
         </p:txBody>
       </p:sp>
@@ -3880,10 +4238,33 @@
           <a:bodyPr rtlCol="0" anchor="ctr"/>
           <a:lstStyle/>
           <a:p>
-            <a:pPr algn="ctr"/>
-            <a:r>
-              <a:rPr lang="es-CO" dirty="0"/>
+            <a:pPr marL="342900" indent="-342900" algn="l">
+              <a:buFont typeface="+mj-lt"/>
+              <a:buAutoNum type="arabicPeriod"/>
+            </a:pPr>
+            <a:r>
+              <a:rPr lang="es-ES" sz="1600" b="1" dirty="0"/>
               <a:t>Segmento de clientes</a:t>
+            </a:r>
+          </a:p>
+          <a:p>
+            <a:pPr marL="285750" indent="-285750" algn="l">
+              <a:buFont typeface="Arial" panose="020B0604020202020204" pitchFamily="34" charset="0"/>
+              <a:buChar char="•"/>
+            </a:pPr>
+            <a:r>
+              <a:rPr lang="es-ES" sz="1500" dirty="0"/>
+              <a:t>personas que porten algún tipo de vehículo privado o de uso personal.</a:t>
+            </a:r>
+          </a:p>
+          <a:p>
+            <a:pPr marL="285750" indent="-285750" algn="l">
+              <a:buFont typeface="Arial" panose="020B0604020202020204" pitchFamily="34" charset="0"/>
+              <a:buChar char="•"/>
+            </a:pPr>
+            <a:r>
+              <a:rPr lang="es-ES" sz="1500" dirty="0"/>
+              <a:t>No poder encontrar un estacionamiento cuando lo necesitan</a:t>
             </a:r>
           </a:p>
         </p:txBody>
@@ -3911,6 +4292,9 @@
           <a:solidFill>
             <a:srgbClr val="359D6E"/>
           </a:solidFill>
+          <a:ln>
+            <a:noFill/>
+          </a:ln>
         </p:spPr>
         <p:style>
           <a:lnRef idx="2">
@@ -3932,11 +4316,45 @@
           <a:bodyPr rtlCol="0" anchor="ctr"/>
           <a:lstStyle/>
           <a:p>
+            <a:pPr algn="l"/>
+            <a:r>
+              <a:rPr lang="es-ES" dirty="0"/>
+              <a:t>Estructura de costos </a:t>
+            </a:r>
+          </a:p>
+          <a:p>
+            <a:pPr marL="285750" indent="-285750" algn="l">
+              <a:buFontTx/>
+              <a:buChar char="-"/>
+            </a:pPr>
+            <a:r>
+              <a:rPr lang="es-ES" sz="1000" dirty="0"/>
+              <a:t>Costo fijo: Los costos fijos de la empresa son el internet los servidores el pago a los empleados posibles costos del mantenimiento del sistema y cualquier otro que estipule la ley actual del país </a:t>
+            </a:r>
+          </a:p>
+          <a:p>
+            <a:pPr marL="285750" indent="-285750" algn="l">
+              <a:buFontTx/>
+              <a:buChar char="-"/>
+            </a:pPr>
+            <a:r>
+              <a:rPr lang="es-ES" sz="1000" dirty="0"/>
+              <a:t>Cualquier emergencia o daño que se ocasione a los usuarios del sistema por algún fallo o similar </a:t>
+            </a:r>
+          </a:p>
+          <a:p>
+            <a:pPr marL="285750" indent="-285750" algn="l">
+              <a:buFontTx/>
+              <a:buChar char="-"/>
+            </a:pPr>
+            <a:r>
+              <a:rPr lang="es-ES" sz="1000" dirty="0"/>
+              <a:t>Costos por el marketing realizado al sistema a la empresa</a:t>
+            </a:r>
+          </a:p>
+          <a:p>
             <a:pPr algn="ctr"/>
-            <a:r>
-              <a:rPr lang="es-CO" dirty="0"/>
-              <a:t>Estructura de costos</a:t>
-            </a:r>
+            <a:endParaRPr lang="es-CO" dirty="0"/>
           </a:p>
         </p:txBody>
       </p:sp>
@@ -3954,8 +4372,8 @@
         </p:nvSpPr>
         <p:spPr>
           <a:xfrm>
-            <a:off x="7549066" y="244443"/>
-            <a:ext cx="1656784" cy="1593409"/>
+            <a:off x="7511328" y="269340"/>
+            <a:ext cx="1776002" cy="1568513"/>
           </a:xfrm>
           <a:prstGeom prst="rect">
             <a:avLst/>
@@ -3987,15 +4405,109 @@
           <a:bodyPr rtlCol="0" anchor="ctr"/>
           <a:lstStyle/>
           <a:p>
+            <a:pPr algn="l"/>
+            <a:r>
+              <a:rPr lang="es-ES" sz="1000" dirty="0"/>
+              <a:t>Relaciones con clientes </a:t>
+            </a:r>
+          </a:p>
+          <a:p>
+            <a:pPr marL="285750" indent="-285750" algn="l">
+              <a:buFontTx/>
+              <a:buChar char="-"/>
+            </a:pPr>
+            <a:r>
+              <a:rPr lang="es-ES" sz="1000" dirty="0"/>
+              <a:t>Buscamos que el sistema sea rápido eficiente y concreto </a:t>
+            </a:r>
+          </a:p>
+          <a:p>
+            <a:pPr marL="285750" indent="-285750" algn="l">
+              <a:buFontTx/>
+              <a:buChar char="-"/>
+            </a:pPr>
+            <a:r>
+              <a:rPr lang="es-ES" sz="1000" dirty="0"/>
+              <a:t>Buscaremos poder escuchar todas las peticiones que tengan los usuarios para poder mejorar el sistema</a:t>
+            </a:r>
+          </a:p>
+          <a:p>
             <a:pPr algn="ctr"/>
-            <a:r>
-              <a:rPr lang="es-CO" dirty="0"/>
-              <a:t>Relación </a:t>
-            </a:r>
-            <a:r>
-              <a:rPr lang="es-CO"/>
-              <a:t>con clientes</a:t>
-            </a:r>
+            <a:endParaRPr lang="es-CO" dirty="0"/>
+          </a:p>
+        </p:txBody>
+      </p:sp>
+      <p:sp>
+        <p:nvSpPr>
+          <p:cNvPr id="2" name="Rectángulo 1">
+            <a:extLst>
+              <a:ext uri="{FF2B5EF4-FFF2-40B4-BE49-F238E27FC236}">
+                <a16:creationId xmlns:a16="http://schemas.microsoft.com/office/drawing/2014/main" id="{F444995E-CC66-5C73-B7FD-A5F8FAC5C575}"/>
+              </a:ext>
+            </a:extLst>
+          </p:cNvPr>
+          <p:cNvSpPr/>
+          <p:nvPr/>
+        </p:nvSpPr>
+        <p:spPr>
+          <a:xfrm>
+            <a:off x="6514716" y="4559433"/>
+            <a:ext cx="4846620" cy="1795086"/>
+          </a:xfrm>
+          <a:prstGeom prst="rect">
+            <a:avLst/>
+          </a:prstGeom>
+          <a:solidFill>
+            <a:srgbClr val="8D52FE"/>
+          </a:solidFill>
+          <a:ln>
+            <a:noFill/>
+          </a:ln>
+        </p:spPr>
+        <p:style>
+          <a:lnRef idx="2">
+            <a:schemeClr val="accent1">
+              <a:shade val="15000"/>
+            </a:schemeClr>
+          </a:lnRef>
+          <a:fillRef idx="1">
+            <a:schemeClr val="accent1"/>
+          </a:fillRef>
+          <a:effectRef idx="0">
+            <a:schemeClr val="accent1"/>
+          </a:effectRef>
+          <a:fontRef idx="minor">
+            <a:schemeClr val="lt1"/>
+          </a:fontRef>
+        </p:style>
+        <p:txBody>
+          <a:bodyPr rtlCol="0" anchor="ctr"/>
+          <a:lstStyle/>
+          <a:p>
+            <a:pPr algn="just"/>
+            <a:r>
+              <a:rPr lang="es-ES" sz="1400" b="1" dirty="0"/>
+              <a:t>Fuente de ingresos </a:t>
+            </a:r>
+          </a:p>
+          <a:p>
+            <a:pPr algn="just"/>
+            <a:endParaRPr lang="es-ES" sz="1400" b="1" dirty="0"/>
+          </a:p>
+          <a:p>
+            <a:pPr algn="just"/>
+            <a:r>
+              <a:rPr lang="es-ES" sz="1200" dirty="0"/>
+              <a:t>Nuestras principales formas de ganar dinero será al tomar una pequeña comisión por las reservas hechas en el sistema y por suscripciones premium para obtener funciones especiales en el sistema tanto en los usuarios como en los propietarios de los parqueaderos </a:t>
+            </a:r>
+          </a:p>
+          <a:p>
+            <a:pPr algn="l"/>
+            <a:endParaRPr lang="es-ES" dirty="0"/>
+          </a:p>
+          <a:p>
+            <a:pPr algn="ctr"/>
+            <a:endParaRPr lang="es-ES" dirty="0"/>
           </a:p>
         </p:txBody>
       </p:sp>
@@ -4003,6 +4515,767 @@
     <p:extLst>
       <p:ext uri="{BB962C8B-B14F-4D97-AF65-F5344CB8AC3E}">
         <p14:creationId xmlns:p14="http://schemas.microsoft.com/office/powerpoint/2010/main" val="464937975"/>
+      </p:ext>
+    </p:extLst>
+  </p:cSld>
+  <p:clrMapOvr>
+    <a:masterClrMapping/>
+  </p:clrMapOvr>
+</p:sld>
+</file>
+
+<file path=ppt/slides/slide2.xml><?xml version="1.0" encoding="utf-8"?>
+<p:sld xmlns:a="http://schemas.openxmlformats.org/drawingml/2006/main" xmlns:r="http://schemas.openxmlformats.org/officeDocument/2006/relationships" xmlns:p="http://schemas.openxmlformats.org/presentationml/2006/main">
+  <p:cSld>
+    <p:spTree>
+      <p:nvGrpSpPr>
+        <p:cNvPr id="1" name=""/>
+        <p:cNvGrpSpPr/>
+        <p:nvPr/>
+      </p:nvGrpSpPr>
+      <p:grpSpPr>
+        <a:xfrm>
+          <a:off x="0" y="0"/>
+          <a:ext cx="0" cy="0"/>
+          <a:chOff x="0" y="0"/>
+          <a:chExt cx="0" cy="0"/>
+        </a:xfrm>
+      </p:grpSpPr>
+      <p:sp>
+        <p:nvSpPr>
+          <p:cNvPr id="5" name="CuadroTexto 4">
+            <a:extLst>
+              <a:ext uri="{FF2B5EF4-FFF2-40B4-BE49-F238E27FC236}">
+                <a16:creationId xmlns:a16="http://schemas.microsoft.com/office/drawing/2014/main" id="{9EBAE1AE-6B95-E213-7357-A5C54D6422CD}"/>
+              </a:ext>
+            </a:extLst>
+          </p:cNvPr>
+          <p:cNvSpPr txBox="1"/>
+          <p:nvPr/>
+        </p:nvSpPr>
+        <p:spPr>
+          <a:xfrm>
+            <a:off x="301334" y="274586"/>
+            <a:ext cx="9404998" cy="1200329"/>
+          </a:xfrm>
+          <a:prstGeom prst="rect">
+            <a:avLst/>
+          </a:prstGeom>
+          <a:noFill/>
+        </p:spPr>
+        <p:txBody>
+          <a:bodyPr wrap="square" rtlCol="0">
+            <a:spAutoFit/>
+          </a:bodyPr>
+          <a:lstStyle/>
+          <a:p>
+            <a:pPr algn="l"/>
+            <a:r>
+              <a:rPr lang="es-ES" dirty="0"/>
+              <a:t>Segmento de clientes</a:t>
+            </a:r>
+          </a:p>
+          <a:p>
+            <a:pPr marL="285750" indent="-285750" algn="l">
+              <a:buFontTx/>
+              <a:buChar char="-"/>
+            </a:pPr>
+            <a:r>
+              <a:rPr lang="es-ES" dirty="0"/>
+              <a:t>Grupo objetivo: personas que porten algún tipo de vehículo privado o de uso personal</a:t>
+            </a:r>
+          </a:p>
+          <a:p>
+            <a:pPr marL="285750" indent="-285750" algn="l">
+              <a:buFontTx/>
+              <a:buChar char="-"/>
+            </a:pPr>
+            <a:r>
+              <a:rPr lang="es-ES" dirty="0"/>
+              <a:t>No poder encontrar un estacionamiento cuando lo necesitan</a:t>
+            </a:r>
+          </a:p>
+          <a:p>
+            <a:pPr marL="285750" indent="-285750" algn="l">
+              <a:buFontTx/>
+              <a:buChar char="-"/>
+            </a:pPr>
+            <a:endParaRPr lang="es-ES" dirty="0"/>
+          </a:p>
+        </p:txBody>
+      </p:sp>
+      <p:sp>
+        <p:nvSpPr>
+          <p:cNvPr id="6" name="CuadroTexto 5">
+            <a:extLst>
+              <a:ext uri="{FF2B5EF4-FFF2-40B4-BE49-F238E27FC236}">
+                <a16:creationId xmlns:a16="http://schemas.microsoft.com/office/drawing/2014/main" id="{88956AD2-CA43-C6FF-550A-949D899C6F50}"/>
+              </a:ext>
+            </a:extLst>
+          </p:cNvPr>
+          <p:cNvSpPr txBox="1"/>
+          <p:nvPr/>
+        </p:nvSpPr>
+        <p:spPr>
+          <a:xfrm>
+            <a:off x="5179562" y="2514600"/>
+            <a:ext cx="1828800" cy="1828800"/>
+          </a:xfrm>
+          <a:prstGeom prst="rect">
+            <a:avLst/>
+          </a:prstGeom>
+          <a:noFill/>
+        </p:spPr>
+        <p:txBody>
+          <a:bodyPr wrap="square" rtlCol="0">
+            <a:spAutoFit/>
+          </a:bodyPr>
+          <a:lstStyle/>
+          <a:p>
+            <a:pPr algn="l"/>
+            <a:endParaRPr lang="es-ES" dirty="0"/>
+          </a:p>
+        </p:txBody>
+      </p:sp>
+      <p:sp>
+        <p:nvSpPr>
+          <p:cNvPr id="7" name="CuadroTexto 6">
+            <a:extLst>
+              <a:ext uri="{FF2B5EF4-FFF2-40B4-BE49-F238E27FC236}">
+                <a16:creationId xmlns:a16="http://schemas.microsoft.com/office/drawing/2014/main" id="{664EC9DF-F12D-98FD-6231-48E09E8E9D90}"/>
+              </a:ext>
+            </a:extLst>
+          </p:cNvPr>
+          <p:cNvSpPr txBox="1"/>
+          <p:nvPr/>
+        </p:nvSpPr>
+        <p:spPr>
+          <a:xfrm>
+            <a:off x="5179562" y="2514600"/>
+            <a:ext cx="1828800" cy="1828800"/>
+          </a:xfrm>
+          <a:prstGeom prst="rect">
+            <a:avLst/>
+          </a:prstGeom>
+          <a:noFill/>
+        </p:spPr>
+        <p:txBody>
+          <a:bodyPr wrap="square" rtlCol="0">
+            <a:spAutoFit/>
+          </a:bodyPr>
+          <a:lstStyle/>
+          <a:p>
+            <a:pPr algn="l"/>
+            <a:endParaRPr lang="es-ES" dirty="0"/>
+          </a:p>
+        </p:txBody>
+      </p:sp>
+      <p:sp>
+        <p:nvSpPr>
+          <p:cNvPr id="8" name="CuadroTexto 7">
+            <a:extLst>
+              <a:ext uri="{FF2B5EF4-FFF2-40B4-BE49-F238E27FC236}">
+                <a16:creationId xmlns:a16="http://schemas.microsoft.com/office/drawing/2014/main" id="{FB5A1754-0361-332F-660F-FBC95B3EE50B}"/>
+              </a:ext>
+            </a:extLst>
+          </p:cNvPr>
+          <p:cNvSpPr txBox="1"/>
+          <p:nvPr/>
+        </p:nvSpPr>
+        <p:spPr>
+          <a:xfrm>
+            <a:off x="301334" y="1348427"/>
+            <a:ext cx="11446506" cy="1754326"/>
+          </a:xfrm>
+          <a:prstGeom prst="rect">
+            <a:avLst/>
+          </a:prstGeom>
+          <a:noFill/>
+        </p:spPr>
+        <p:txBody>
+          <a:bodyPr wrap="square" rtlCol="0">
+            <a:spAutoFit/>
+          </a:bodyPr>
+          <a:lstStyle/>
+          <a:p>
+            <a:pPr algn="l"/>
+            <a:r>
+              <a:rPr lang="es-ES" dirty="0"/>
+              <a:t>Propuesta de valor</a:t>
+            </a:r>
+          </a:p>
+          <a:p>
+            <a:pPr algn="l"/>
+            <a:r>
+              <a:rPr lang="es-ES" dirty="0"/>
+              <a:t>- Ofrecemos información delos estacionamientos cercanos a tu ubicación ,</a:t>
+            </a:r>
+          </a:p>
+          <a:p>
+            <a:pPr algn="l"/>
+            <a:r>
+              <a:rPr lang="es-ES" dirty="0"/>
+              <a:t>Reservas de espacios,</a:t>
+            </a:r>
+          </a:p>
+          <a:p>
+            <a:pPr algn="l"/>
+            <a:r>
+              <a:rPr lang="es-ES" dirty="0"/>
+              <a:t>Ayuda ala gestoría de los parqueaderos para los propietarios </a:t>
+            </a:r>
+          </a:p>
+          <a:p>
+            <a:pPr algn="l"/>
+            <a:r>
+              <a:rPr lang="es-ES" dirty="0"/>
+              <a:t>-  Ofrecemos un sistema de reservas que se encarga de conectar a los usuarios y al dueño del parqueadero, como también de Ofrecer alternativas de estacionamiento </a:t>
+            </a:r>
+          </a:p>
+        </p:txBody>
+      </p:sp>
+      <p:sp>
+        <p:nvSpPr>
+          <p:cNvPr id="9" name="CuadroTexto 8">
+            <a:extLst>
+              <a:ext uri="{FF2B5EF4-FFF2-40B4-BE49-F238E27FC236}">
+                <a16:creationId xmlns:a16="http://schemas.microsoft.com/office/drawing/2014/main" id="{DD4EA25A-143F-A609-E95C-551901FDAC85}"/>
+              </a:ext>
+            </a:extLst>
+          </p:cNvPr>
+          <p:cNvSpPr txBox="1"/>
+          <p:nvPr/>
+        </p:nvSpPr>
+        <p:spPr>
+          <a:xfrm>
+            <a:off x="301333" y="3169076"/>
+            <a:ext cx="11446506" cy="1200329"/>
+          </a:xfrm>
+          <a:prstGeom prst="rect">
+            <a:avLst/>
+          </a:prstGeom>
+          <a:noFill/>
+        </p:spPr>
+        <p:txBody>
+          <a:bodyPr wrap="square" rtlCol="0">
+            <a:spAutoFit/>
+          </a:bodyPr>
+          <a:lstStyle/>
+          <a:p>
+            <a:pPr algn="l"/>
+            <a:r>
+              <a:rPr lang="es-ES" dirty="0"/>
+              <a:t>Canales </a:t>
+            </a:r>
+          </a:p>
+          <a:p>
+            <a:pPr marL="285750" indent="-285750" algn="l">
+              <a:buFontTx/>
+              <a:buChar char="-"/>
+            </a:pPr>
+            <a:r>
+              <a:rPr lang="es-ES" dirty="0"/>
+              <a:t>Los clientes comunicaran con nosotros por medio dela página web o por el envío de correos </a:t>
+            </a:r>
+          </a:p>
+          <a:p>
+            <a:pPr marL="285750" indent="-285750" algn="l">
+              <a:buFontTx/>
+              <a:buChar char="-"/>
+            </a:pPr>
+            <a:r>
+              <a:rPr lang="es-ES" dirty="0"/>
+              <a:t>Nos comunicaremos por medio de nuestras redes sociales oficiales de la empresa </a:t>
+            </a:r>
+          </a:p>
+          <a:p>
+            <a:pPr marL="285750" indent="-285750" algn="l">
+              <a:buFontTx/>
+              <a:buChar char="-"/>
+            </a:pPr>
+            <a:r>
+              <a:rPr lang="es-ES" dirty="0"/>
+              <a:t>Y nos daremos a conocer por medio de las redes sociales, por el boca a boca y otros medios</a:t>
+            </a:r>
+          </a:p>
+        </p:txBody>
+      </p:sp>
+      <p:sp>
+        <p:nvSpPr>
+          <p:cNvPr id="10" name="CuadroTexto 9">
+            <a:extLst>
+              <a:ext uri="{FF2B5EF4-FFF2-40B4-BE49-F238E27FC236}">
+                <a16:creationId xmlns:a16="http://schemas.microsoft.com/office/drawing/2014/main" id="{BD826120-AE73-6CDB-379F-8C30E5822AC4}"/>
+              </a:ext>
+            </a:extLst>
+          </p:cNvPr>
+          <p:cNvSpPr txBox="1"/>
+          <p:nvPr/>
+        </p:nvSpPr>
+        <p:spPr>
+          <a:xfrm>
+            <a:off x="0" y="4586243"/>
+            <a:ext cx="11263138" cy="923330"/>
+          </a:xfrm>
+          <a:prstGeom prst="rect">
+            <a:avLst/>
+          </a:prstGeom>
+          <a:noFill/>
+        </p:spPr>
+        <p:txBody>
+          <a:bodyPr wrap="square" rtlCol="0">
+            <a:spAutoFit/>
+          </a:bodyPr>
+          <a:lstStyle/>
+          <a:p>
+            <a:pPr algn="l"/>
+            <a:r>
+              <a:rPr lang="es-ES" dirty="0"/>
+              <a:t>Relaciones con clientes </a:t>
+            </a:r>
+          </a:p>
+          <a:p>
+            <a:pPr marL="285750" indent="-285750" algn="l">
+              <a:buFontTx/>
+              <a:buChar char="-"/>
+            </a:pPr>
+            <a:r>
+              <a:rPr lang="es-ES" dirty="0"/>
+              <a:t>Buscamos que el sistema sea rápido eficiente y concreto </a:t>
+            </a:r>
+          </a:p>
+          <a:p>
+            <a:pPr marL="285750" indent="-285750" algn="l">
+              <a:buFontTx/>
+              <a:buChar char="-"/>
+            </a:pPr>
+            <a:r>
+              <a:rPr lang="es-ES" dirty="0"/>
+              <a:t>Buscaremos poder escuchar todas las peticiones que tengan los usuarios para poder mejorar el sistema</a:t>
+            </a:r>
+          </a:p>
+        </p:txBody>
+      </p:sp>
+    </p:spTree>
+    <p:extLst>
+      <p:ext uri="{BB962C8B-B14F-4D97-AF65-F5344CB8AC3E}">
+        <p14:creationId xmlns:p14="http://schemas.microsoft.com/office/powerpoint/2010/main" val="2694755972"/>
+      </p:ext>
+    </p:extLst>
+  </p:cSld>
+  <p:clrMapOvr>
+    <a:masterClrMapping/>
+  </p:clrMapOvr>
+</p:sld>
+</file>
+
+<file path=ppt/slides/slide3.xml><?xml version="1.0" encoding="utf-8"?>
+<p:sld xmlns:a="http://schemas.openxmlformats.org/drawingml/2006/main" xmlns:r="http://schemas.openxmlformats.org/officeDocument/2006/relationships" xmlns:p="http://schemas.openxmlformats.org/presentationml/2006/main">
+  <p:cSld>
+    <p:spTree>
+      <p:nvGrpSpPr>
+        <p:cNvPr id="1" name=""/>
+        <p:cNvGrpSpPr/>
+        <p:nvPr/>
+      </p:nvGrpSpPr>
+      <p:grpSpPr>
+        <a:xfrm>
+          <a:off x="0" y="0"/>
+          <a:ext cx="0" cy="0"/>
+          <a:chOff x="0" y="0"/>
+          <a:chExt cx="0" cy="0"/>
+        </a:xfrm>
+      </p:grpSpPr>
+      <p:sp>
+        <p:nvSpPr>
+          <p:cNvPr id="4" name="CuadroTexto 3">
+            <a:extLst>
+              <a:ext uri="{FF2B5EF4-FFF2-40B4-BE49-F238E27FC236}">
+                <a16:creationId xmlns:a16="http://schemas.microsoft.com/office/drawing/2014/main" id="{00ACD2B2-990B-2254-6D57-60860B2B8141}"/>
+              </a:ext>
+            </a:extLst>
+          </p:cNvPr>
+          <p:cNvSpPr txBox="1"/>
+          <p:nvPr/>
+        </p:nvSpPr>
+        <p:spPr>
+          <a:xfrm>
+            <a:off x="301946" y="289723"/>
+            <a:ext cx="11543689" cy="1200329"/>
+          </a:xfrm>
+          <a:prstGeom prst="rect">
+            <a:avLst/>
+          </a:prstGeom>
+          <a:noFill/>
+        </p:spPr>
+        <p:txBody>
+          <a:bodyPr wrap="square" rtlCol="0">
+            <a:spAutoFit/>
+          </a:bodyPr>
+          <a:lstStyle/>
+          <a:p>
+            <a:pPr algn="l"/>
+            <a:r>
+              <a:rPr lang="es-ES" dirty="0"/>
+              <a:t>Fuente de ingresos </a:t>
+            </a:r>
+          </a:p>
+          <a:p>
+            <a:pPr marL="285750" indent="-285750" algn="l">
+              <a:buFontTx/>
+              <a:buChar char="-"/>
+            </a:pPr>
+            <a:r>
+              <a:rPr lang="es-ES" dirty="0"/>
+              <a:t>Nuestras principales formas de ganar dinero será al tomar una pequeña comisión por las reservas hechas en el sistema y por suscripciones </a:t>
+            </a:r>
+            <a:r>
+              <a:rPr lang="es-ES" dirty="0" err="1"/>
+              <a:t>premium</a:t>
+            </a:r>
+            <a:r>
+              <a:rPr lang="es-ES" dirty="0"/>
+              <a:t> para obtener funciones especiales en el sistema tanto en los usuarios como en los propietarios de los parqueaderos </a:t>
+            </a:r>
+          </a:p>
+        </p:txBody>
+      </p:sp>
+      <p:sp>
+        <p:nvSpPr>
+          <p:cNvPr id="5" name="CuadroTexto 4">
+            <a:extLst>
+              <a:ext uri="{FF2B5EF4-FFF2-40B4-BE49-F238E27FC236}">
+                <a16:creationId xmlns:a16="http://schemas.microsoft.com/office/drawing/2014/main" id="{B19B4048-F4F8-9484-6417-FA91CFA3FBAA}"/>
+              </a:ext>
+            </a:extLst>
+          </p:cNvPr>
+          <p:cNvSpPr txBox="1"/>
+          <p:nvPr/>
+        </p:nvSpPr>
+        <p:spPr>
+          <a:xfrm>
+            <a:off x="301944" y="1775012"/>
+            <a:ext cx="11354209" cy="1754326"/>
+          </a:xfrm>
+          <a:prstGeom prst="rect">
+            <a:avLst/>
+          </a:prstGeom>
+          <a:noFill/>
+        </p:spPr>
+        <p:txBody>
+          <a:bodyPr wrap="square" rtlCol="0">
+            <a:spAutoFit/>
+          </a:bodyPr>
+          <a:lstStyle/>
+          <a:p>
+            <a:pPr algn="l"/>
+            <a:r>
+              <a:rPr lang="es-ES" dirty="0"/>
+              <a:t>Actividades clave</a:t>
+            </a:r>
+          </a:p>
+          <a:p>
+            <a:pPr marL="285750" indent="-285750" algn="l">
+              <a:buFontTx/>
+              <a:buChar char="-"/>
+            </a:pPr>
+            <a:r>
+              <a:rPr lang="es-ES" dirty="0"/>
+              <a:t>Las principales actividades que necesitamos realizar son</a:t>
+            </a:r>
+          </a:p>
+          <a:p>
+            <a:pPr marL="285750" indent="-285750" algn="l">
+              <a:buFontTx/>
+              <a:buChar char="-"/>
+            </a:pPr>
+            <a:r>
+              <a:rPr lang="es-ES" dirty="0"/>
+              <a:t> la recolección de información sobre nuevos parqueaderos sus condiciones y si son actos para ingresar al sistema</a:t>
+            </a:r>
+          </a:p>
+          <a:p>
+            <a:pPr marL="285750" indent="-285750" algn="l">
+              <a:buFontTx/>
+              <a:buChar char="-"/>
+            </a:pPr>
+            <a:r>
+              <a:rPr lang="es-ES" dirty="0"/>
+              <a:t> la segunda es el análisis del marketing actual o qué zonas requieren más el sistema </a:t>
+            </a:r>
+          </a:p>
+          <a:p>
+            <a:pPr marL="285750" indent="-285750" algn="l">
+              <a:buFontTx/>
+              <a:buChar char="-"/>
+            </a:pPr>
+            <a:r>
+              <a:rPr lang="es-ES" dirty="0"/>
+              <a:t>la tercera es el mantenimiento y verificación de posibles errores o Bugs que no se hayan resuelto</a:t>
+            </a:r>
+          </a:p>
+        </p:txBody>
+      </p:sp>
+      <p:sp>
+        <p:nvSpPr>
+          <p:cNvPr id="2" name="CuadroTexto 1">
+            <a:extLst>
+              <a:ext uri="{FF2B5EF4-FFF2-40B4-BE49-F238E27FC236}">
+                <a16:creationId xmlns:a16="http://schemas.microsoft.com/office/drawing/2014/main" id="{AAC09489-7742-4F21-F0AF-10C1E6A19A62}"/>
+              </a:ext>
+            </a:extLst>
+          </p:cNvPr>
+          <p:cNvSpPr txBox="1"/>
+          <p:nvPr/>
+        </p:nvSpPr>
+        <p:spPr>
+          <a:xfrm>
+            <a:off x="301944" y="3627038"/>
+            <a:ext cx="11164729" cy="923330"/>
+          </a:xfrm>
+          <a:prstGeom prst="rect">
+            <a:avLst/>
+          </a:prstGeom>
+          <a:noFill/>
+        </p:spPr>
+        <p:txBody>
+          <a:bodyPr wrap="square" rtlCol="0">
+            <a:spAutoFit/>
+          </a:bodyPr>
+          <a:lstStyle/>
+          <a:p>
+            <a:pPr algn="l"/>
+            <a:r>
+              <a:rPr lang="es-ES" dirty="0"/>
+              <a:t>Recursos clave </a:t>
+            </a:r>
+          </a:p>
+          <a:p>
+            <a:pPr algn="l"/>
+            <a:r>
+              <a:rPr lang="es-ES" dirty="0"/>
+              <a:t>- Necesitamos de un buen internet uno o varios servidores dependiendo del caso programadores que sean capaces de analizar reparar y parchar el sistema si es necesario analistas del mercado</a:t>
+            </a:r>
+          </a:p>
+        </p:txBody>
+      </p:sp>
+      <p:sp>
+        <p:nvSpPr>
+          <p:cNvPr id="3" name="CuadroTexto 2">
+            <a:extLst>
+              <a:ext uri="{FF2B5EF4-FFF2-40B4-BE49-F238E27FC236}">
+                <a16:creationId xmlns:a16="http://schemas.microsoft.com/office/drawing/2014/main" id="{BEA05D8B-817F-A338-1024-785544ECA0F5}"/>
+              </a:ext>
+            </a:extLst>
+          </p:cNvPr>
+          <p:cNvSpPr txBox="1"/>
+          <p:nvPr/>
+        </p:nvSpPr>
+        <p:spPr>
+          <a:xfrm>
+            <a:off x="396685" y="4648068"/>
+            <a:ext cx="11164728" cy="1754326"/>
+          </a:xfrm>
+          <a:prstGeom prst="rect">
+            <a:avLst/>
+          </a:prstGeom>
+          <a:noFill/>
+        </p:spPr>
+        <p:txBody>
+          <a:bodyPr wrap="square" rtlCol="0">
+            <a:spAutoFit/>
+          </a:bodyPr>
+          <a:lstStyle/>
+          <a:p>
+            <a:pPr algn="l"/>
+            <a:r>
+              <a:rPr lang="es-ES" dirty="0"/>
+              <a:t>Asociaciones clave</a:t>
+            </a:r>
+          </a:p>
+          <a:p>
+            <a:pPr marL="285750" indent="-285750" algn="l">
+              <a:buFontTx/>
+              <a:buChar char="-"/>
+            </a:pPr>
+            <a:r>
+              <a:rPr lang="es-ES" dirty="0"/>
+              <a:t>Nuestra empresa no necesitará unirse con alguna empresa que se enfoque en el análisis del marketing y si no es posible crear una que se enfoque en eso </a:t>
+            </a:r>
+          </a:p>
+          <a:p>
+            <a:pPr marL="285750" indent="-285750" algn="l">
+              <a:buFontTx/>
+              <a:buChar char="-"/>
+            </a:pPr>
+            <a:r>
+              <a:rPr lang="es-ES" dirty="0"/>
+              <a:t>También necesitaremos asociarnos con una compañía de internet adecuada </a:t>
+            </a:r>
+          </a:p>
+          <a:p>
+            <a:pPr marL="285750" indent="-285750" algn="l">
+              <a:buFontTx/>
+              <a:buChar char="-"/>
+            </a:pPr>
+            <a:r>
+              <a:rPr lang="es-ES" dirty="0"/>
+              <a:t>También una que nos proporcione servidores adecuados </a:t>
+            </a:r>
+          </a:p>
+          <a:p>
+            <a:pPr marL="285750" indent="-285750" algn="l">
+              <a:buFontTx/>
+              <a:buChar char="-"/>
+            </a:pPr>
+            <a:r>
+              <a:rPr lang="es-ES" dirty="0"/>
+              <a:t>También podríamos asociarnos con emprendedores más pequeños como influencers youtubers y demás </a:t>
+            </a:r>
+          </a:p>
+        </p:txBody>
+      </p:sp>
+    </p:spTree>
+    <p:extLst>
+      <p:ext uri="{BB962C8B-B14F-4D97-AF65-F5344CB8AC3E}">
+        <p14:creationId xmlns:p14="http://schemas.microsoft.com/office/powerpoint/2010/main" val="2449698069"/>
+      </p:ext>
+    </p:extLst>
+  </p:cSld>
+  <p:clrMapOvr>
+    <a:masterClrMapping/>
+  </p:clrMapOvr>
+</p:sld>
+</file>
+
+<file path=ppt/slides/slide4.xml><?xml version="1.0" encoding="utf-8"?>
+<p:sld xmlns:a="http://schemas.openxmlformats.org/drawingml/2006/main" xmlns:r="http://schemas.openxmlformats.org/officeDocument/2006/relationships" xmlns:p="http://schemas.openxmlformats.org/presentationml/2006/main">
+  <p:cSld>
+    <p:spTree>
+      <p:nvGrpSpPr>
+        <p:cNvPr id="1" name=""/>
+        <p:cNvGrpSpPr/>
+        <p:nvPr/>
+      </p:nvGrpSpPr>
+      <p:grpSpPr>
+        <a:xfrm>
+          <a:off x="0" y="0"/>
+          <a:ext cx="0" cy="0"/>
+          <a:chOff x="0" y="0"/>
+          <a:chExt cx="0" cy="0"/>
+        </a:xfrm>
+      </p:grpSpPr>
+      <p:sp>
+        <p:nvSpPr>
+          <p:cNvPr id="4" name="CuadroTexto 3">
+            <a:extLst>
+              <a:ext uri="{FF2B5EF4-FFF2-40B4-BE49-F238E27FC236}">
+                <a16:creationId xmlns:a16="http://schemas.microsoft.com/office/drawing/2014/main" id="{CBE1DBD9-2A7B-8C28-C17C-EC45F6A85AB6}"/>
+              </a:ext>
+            </a:extLst>
+          </p:cNvPr>
+          <p:cNvSpPr txBox="1"/>
+          <p:nvPr/>
+        </p:nvSpPr>
+        <p:spPr>
+          <a:xfrm>
+            <a:off x="558662" y="411969"/>
+            <a:ext cx="10908011" cy="1042758"/>
+          </a:xfrm>
+          <a:prstGeom prst="rect">
+            <a:avLst/>
+          </a:prstGeom>
+          <a:noFill/>
+        </p:spPr>
+        <p:txBody>
+          <a:bodyPr wrap="square" rtlCol="0">
+            <a:spAutoFit/>
+          </a:bodyPr>
+          <a:lstStyle/>
+          <a:p>
+            <a:pPr algn="l"/>
+            <a:endParaRPr lang="es-ES" dirty="0"/>
+          </a:p>
+        </p:txBody>
+      </p:sp>
+      <p:sp>
+        <p:nvSpPr>
+          <p:cNvPr id="5" name="CuadroTexto 4">
+            <a:extLst>
+              <a:ext uri="{FF2B5EF4-FFF2-40B4-BE49-F238E27FC236}">
+                <a16:creationId xmlns:a16="http://schemas.microsoft.com/office/drawing/2014/main" id="{004F28D4-1B22-C820-FE9B-9E7A22E2DCC6}"/>
+              </a:ext>
+            </a:extLst>
+          </p:cNvPr>
+          <p:cNvSpPr txBox="1"/>
+          <p:nvPr/>
+        </p:nvSpPr>
+        <p:spPr>
+          <a:xfrm>
+            <a:off x="725327" y="411969"/>
+            <a:ext cx="10908010" cy="1477328"/>
+          </a:xfrm>
+          <a:prstGeom prst="rect">
+            <a:avLst/>
+          </a:prstGeom>
+          <a:noFill/>
+        </p:spPr>
+        <p:txBody>
+          <a:bodyPr wrap="square" rtlCol="0">
+            <a:spAutoFit/>
+          </a:bodyPr>
+          <a:lstStyle/>
+          <a:p>
+            <a:pPr algn="l"/>
+            <a:r>
+              <a:rPr lang="es-ES" dirty="0"/>
+              <a:t>Estructura de costos </a:t>
+            </a:r>
+          </a:p>
+          <a:p>
+            <a:pPr marL="285750" indent="-285750" algn="l">
+              <a:buFontTx/>
+              <a:buChar char="-"/>
+            </a:pPr>
+            <a:r>
+              <a:rPr lang="es-ES" dirty="0"/>
+              <a:t>Costo fijo: Los costos fijos de la empresa son el internet los servidores el pago a los empleados posibles costos del mantenimiento del sistema y cualquier otro que estipule la ley actual del país </a:t>
+            </a:r>
+          </a:p>
+          <a:p>
+            <a:pPr marL="285750" indent="-285750" algn="l">
+              <a:buFontTx/>
+              <a:buChar char="-"/>
+            </a:pPr>
+            <a:r>
+              <a:rPr lang="es-ES" dirty="0"/>
+              <a:t>Cualquier emergencia o daño que </a:t>
+            </a:r>
+            <a:r>
+              <a:rPr lang="es-ES" dirty="0" err="1"/>
+              <a:t>que</a:t>
+            </a:r>
+            <a:r>
+              <a:rPr lang="es-ES" dirty="0"/>
+              <a:t> se ocasione a los usuarios del sistema por algún fallo o similar </a:t>
+            </a:r>
+          </a:p>
+          <a:p>
+            <a:pPr marL="285750" indent="-285750" algn="l">
+              <a:buFontTx/>
+              <a:buChar char="-"/>
+            </a:pPr>
+            <a:r>
+              <a:rPr lang="es-ES" dirty="0"/>
+              <a:t>Costos por el marketing realizado al sistema a la empresa</a:t>
+            </a:r>
+          </a:p>
+        </p:txBody>
+      </p:sp>
+    </p:spTree>
+    <p:extLst>
+      <p:ext uri="{BB962C8B-B14F-4D97-AF65-F5344CB8AC3E}">
+        <p14:creationId xmlns:p14="http://schemas.microsoft.com/office/powerpoint/2010/main" val="1597910876"/>
       </p:ext>
     </p:extLst>
   </p:cSld>
